--- a/Front-End/React/Babel 개념 정리.pptx
+++ b/Front-End/React/Babel 개념 정리.pptx
@@ -5,17 +5,18 @@
     <p:sldMasterId id="2147483659" r:id="rId1"/>
   </p:sldMasterIdLst>
   <p:notesMasterIdLst>
-    <p:notesMasterId r:id="rId7"/>
+    <p:notesMasterId r:id="rId8"/>
   </p:notesMasterIdLst>
   <p:handoutMasterIdLst>
-    <p:handoutMasterId r:id="rId8"/>
+    <p:handoutMasterId r:id="rId9"/>
   </p:handoutMasterIdLst>
   <p:sldIdLst>
     <p:sldId id="615" r:id="rId2"/>
     <p:sldId id="1148" r:id="rId3"/>
     <p:sldId id="1149" r:id="rId4"/>
     <p:sldId id="1150" r:id="rId5"/>
-    <p:sldId id="1151" r:id="rId6"/>
+    <p:sldId id="1153" r:id="rId6"/>
+    <p:sldId id="1152" r:id="rId7"/>
   </p:sldIdLst>
   <p:sldSz cx="9144000" cy="6858000" type="screen4x3"/>
   <p:notesSz cx="6865938" cy="9998075"/>
@@ -248,7 +249,7 @@
           <a:p>
             <a:fld id="{0701E38F-D71B-4628-B377-F26FA834EB07}" type="datetimeFigureOut">
               <a:rPr lang="ko-KR" altLang="en-US" smtClean="0"/>
-              <a:t>2022-12-07</a:t>
+              <a:t>2022-12-16</a:t>
             </a:fld>
             <a:endParaRPr lang="ko-KR" altLang="en-US"/>
           </a:p>
@@ -414,7 +415,7 @@
             <a:fld id="{BC75A1C1-99F9-4ED1-B968-97F8F766565C}" type="datetimeFigureOut">
               <a:rPr lang="ko-KR" altLang="en-US" smtClean="0"/>
               <a:pPr/>
-              <a:t>2022-12-07</a:t>
+              <a:t>2022-12-16</a:t>
             </a:fld>
             <a:endParaRPr lang="ko-KR" altLang="en-US"/>
           </a:p>
@@ -3492,11 +3493,22 @@
           <a:bodyPr rtlCol="0" anchor="t"/>
           <a:lstStyle/>
           <a:p>
-            <a:pPr>
+            <a:pPr marL="285750" indent="-285750">
               <a:lnSpc>
                 <a:spcPct val="150000"/>
               </a:lnSpc>
+              <a:buFont typeface="Wingdings" panose="05000000000000000000" pitchFamily="2" charset="2"/>
+              <a:buChar char="Ø"/>
             </a:pPr>
+            <a:r>
+              <a:rPr lang="ko-KR" altLang="en-US" sz="2000" dirty="0" smtClean="0">
+                <a:solidFill>
+                  <a:srgbClr val="0000FF"/>
+                </a:solidFill>
+                <a:latin typeface="+mn-ea"/>
+              </a:rPr>
+              <a:t>동작</a:t>
+            </a:r>
             <a:endParaRPr lang="en-US" altLang="ko-KR" sz="2000" dirty="0">
               <a:solidFill>
                 <a:srgbClr val="0000FF"/>
@@ -3508,7 +3520,7 @@
       </p:sp>
       <p:pic>
         <p:nvPicPr>
-          <p:cNvPr id="4098" name="Picture 2" descr="Beginner's introduction to modern JavaScript - What are Node.js, npm,  ECMAScript, Babel and Webpack? - DEV Community 👩‍💻👨‍💻"/>
+          <p:cNvPr id="6" name="Picture 2" descr="Beginner's introduction to modern JavaScript - What are Node.js, npm,  ECMAScript, Babel and Webpack? - DEV Community 👩‍💻👨‍💻"/>
           <p:cNvPicPr>
             <a:picLocks noChangeAspect="1" noChangeArrowheads="1"/>
           </p:cNvPicPr>
@@ -3550,7 +3562,449 @@
     </p:spTree>
     <p:extLst>
       <p:ext uri="{BB962C8B-B14F-4D97-AF65-F5344CB8AC3E}">
-        <p14:creationId xmlns:p14="http://schemas.microsoft.com/office/powerpoint/2010/main" val="243106515"/>
+        <p14:creationId xmlns:p14="http://schemas.microsoft.com/office/powerpoint/2010/main" val="4232379640"/>
+      </p:ext>
+    </p:extLst>
+  </p:cSld>
+  <p:clrMapOvr>
+    <a:masterClrMapping/>
+  </p:clrMapOvr>
+  <p:timing>
+    <p:tnLst>
+      <p:par>
+        <p:cTn id="1" dur="indefinite" restart="never" nodeType="tmRoot"/>
+      </p:par>
+    </p:tnLst>
+  </p:timing>
+</p:sld>
+</file>
+
+<file path=ppt/slides/slide6.xml><?xml version="1.0" encoding="utf-8"?>
+<p:sld xmlns:a="http://schemas.openxmlformats.org/drawingml/2006/main" xmlns:r="http://schemas.openxmlformats.org/officeDocument/2006/relationships" xmlns:p="http://schemas.openxmlformats.org/presentationml/2006/main">
+  <p:cSld>
+    <p:spTree>
+      <p:nvGrpSpPr>
+        <p:cNvPr id="1" name=""/>
+        <p:cNvGrpSpPr/>
+        <p:nvPr/>
+      </p:nvGrpSpPr>
+      <p:grpSpPr>
+        <a:xfrm>
+          <a:off x="0" y="0"/>
+          <a:ext cx="0" cy="0"/>
+          <a:chOff x="0" y="0"/>
+          <a:chExt cx="0" cy="0"/>
+        </a:xfrm>
+      </p:grpSpPr>
+      <p:sp>
+        <p:nvSpPr>
+          <p:cNvPr id="3" name="TextBox 2"/>
+          <p:cNvSpPr txBox="1"/>
+          <p:nvPr/>
+        </p:nvSpPr>
+        <p:spPr>
+          <a:xfrm>
+            <a:off x="548640" y="470346"/>
+            <a:ext cx="8055807" cy="461665"/>
+          </a:xfrm>
+          <a:prstGeom prst="rect">
+            <a:avLst/>
+          </a:prstGeom>
+          <a:noFill/>
+        </p:spPr>
+        <p:txBody>
+          <a:bodyPr wrap="square" rtlCol="0">
+            <a:spAutoFit/>
+          </a:bodyPr>
+          <a:lstStyle/>
+          <a:p>
+            <a:r>
+              <a:rPr lang="en-US" altLang="ko-KR" sz="2400" dirty="0" smtClean="0">
+                <a:latin typeface="HY헤드라인M" pitchFamily="18" charset="-127"/>
+                <a:ea typeface="HY헤드라인M" pitchFamily="18" charset="-127"/>
+              </a:rPr>
+              <a:t>React - Babel</a:t>
+            </a:r>
+            <a:endParaRPr lang="ko-KR" altLang="en-US" sz="2400" dirty="0">
+              <a:latin typeface="HY헤드라인M" pitchFamily="18" charset="-127"/>
+              <a:ea typeface="HY헤드라인M" pitchFamily="18" charset="-127"/>
+            </a:endParaRPr>
+          </a:p>
+        </p:txBody>
+      </p:sp>
+      <p:pic>
+        <p:nvPicPr>
+          <p:cNvPr id="2" name="그림 1"/>
+          <p:cNvPicPr>
+            <a:picLocks noChangeAspect="1"/>
+          </p:cNvPicPr>
+          <p:nvPr/>
+        </p:nvPicPr>
+        <p:blipFill>
+          <a:blip r:embed="rId2" cstate="print">
+            <a:extLst>
+              <a:ext uri="{28A0092B-C50C-407E-A947-70E740481C1C}">
+                <a14:useLocalDpi xmlns:a14="http://schemas.microsoft.com/office/drawing/2010/main" val="0"/>
+              </a:ext>
+            </a:extLst>
+          </a:blip>
+          <a:stretch>
+            <a:fillRect/>
+          </a:stretch>
+        </p:blipFill>
+        <p:spPr>
+          <a:xfrm>
+            <a:off x="7596744" y="2925352"/>
+            <a:ext cx="71600" cy="71600"/>
+          </a:xfrm>
+          <a:prstGeom prst="rect">
+            <a:avLst/>
+          </a:prstGeom>
+        </p:spPr>
+      </p:pic>
+      <p:sp>
+        <p:nvSpPr>
+          <p:cNvPr id="5" name="모서리가 둥근 직사각형 4"/>
+          <p:cNvSpPr/>
+          <p:nvPr/>
+        </p:nvSpPr>
+        <p:spPr>
+          <a:xfrm>
+            <a:off x="439982" y="1196752"/>
+            <a:ext cx="8164465" cy="5345844"/>
+          </a:xfrm>
+          <a:prstGeom prst="roundRect">
+            <a:avLst>
+              <a:gd name="adj" fmla="val 8134"/>
+            </a:avLst>
+          </a:prstGeom>
+          <a:ln/>
+        </p:spPr>
+        <p:style>
+          <a:lnRef idx="2">
+            <a:schemeClr val="accent1"/>
+          </a:lnRef>
+          <a:fillRef idx="1">
+            <a:schemeClr val="lt1"/>
+          </a:fillRef>
+          <a:effectRef idx="0">
+            <a:schemeClr val="accent1"/>
+          </a:effectRef>
+          <a:fontRef idx="minor">
+            <a:schemeClr val="dk1"/>
+          </a:fontRef>
+        </p:style>
+        <p:txBody>
+          <a:bodyPr rtlCol="0" anchor="t"/>
+          <a:lstStyle/>
+          <a:p>
+            <a:pPr marL="285750" indent="-285750">
+              <a:lnSpc>
+                <a:spcPct val="150000"/>
+              </a:lnSpc>
+              <a:buFont typeface="Wingdings" panose="05000000000000000000" pitchFamily="2" charset="2"/>
+              <a:buChar char="Ø"/>
+            </a:pPr>
+            <a:r>
+              <a:rPr lang="ko-KR" altLang="en-US" sz="2000" dirty="0" smtClean="0">
+                <a:solidFill>
+                  <a:srgbClr val="0000FF"/>
+                </a:solidFill>
+                <a:latin typeface="+mn-ea"/>
+              </a:rPr>
+              <a:t>목적</a:t>
+            </a:r>
+            <a:endParaRPr lang="en-US" altLang="ko-KR" sz="2000" dirty="0">
+              <a:solidFill>
+                <a:srgbClr val="0000FF"/>
+              </a:solidFill>
+              <a:latin typeface="+mn-ea"/>
+            </a:endParaRPr>
+          </a:p>
+          <a:p>
+            <a:pPr marL="742950" lvl="1" indent="-285750" latinLnBrk="0">
+              <a:lnSpc>
+                <a:spcPct val="150000"/>
+              </a:lnSpc>
+              <a:buFont typeface="Arial" panose="020B0604020202020204" pitchFamily="34" charset="0"/>
+              <a:buChar char="•"/>
+            </a:pPr>
+            <a:r>
+              <a:rPr lang="ko-KR" altLang="en-US" sz="1400" dirty="0"/>
+              <a:t>바벨은 자바스크립트 최신 문법을 지원하지 않는 환경에서도 최신 문법을 사용할 수 있도록 도와준다</a:t>
+            </a:r>
+            <a:r>
+              <a:rPr lang="en-US" altLang="ko-KR" sz="1400" dirty="0" smtClean="0"/>
+              <a:t>. (ES6)</a:t>
+            </a:r>
+          </a:p>
+          <a:p>
+            <a:pPr marL="742950" lvl="1" indent="-285750" latinLnBrk="0">
+              <a:lnSpc>
+                <a:spcPct val="150000"/>
+              </a:lnSpc>
+              <a:buFont typeface="Arial" panose="020B0604020202020204" pitchFamily="34" charset="0"/>
+              <a:buChar char="•"/>
+            </a:pPr>
+            <a:r>
+              <a:rPr lang="ko-KR" altLang="en-US" sz="1400" dirty="0" err="1"/>
+              <a:t>리액트에서는</a:t>
+            </a:r>
+            <a:r>
+              <a:rPr lang="ko-KR" altLang="en-US" sz="1400" dirty="0"/>
+              <a:t> </a:t>
+            </a:r>
+            <a:r>
+              <a:rPr lang="en-US" altLang="ko-KR" sz="1400" dirty="0"/>
+              <a:t>JSX </a:t>
+            </a:r>
+            <a:r>
+              <a:rPr lang="ko-KR" altLang="en-US" sz="1400" dirty="0"/>
+              <a:t>문법을 사용하기 위해 바벨을 사용한다</a:t>
+            </a:r>
+            <a:r>
+              <a:rPr lang="en-US" altLang="ko-KR" sz="1400" dirty="0"/>
+              <a:t>.</a:t>
+            </a:r>
+          </a:p>
+          <a:p>
+            <a:pPr marL="742950" lvl="1" indent="-285750" latinLnBrk="0">
+              <a:lnSpc>
+                <a:spcPct val="150000"/>
+              </a:lnSpc>
+              <a:buFont typeface="Arial" panose="020B0604020202020204" pitchFamily="34" charset="0"/>
+              <a:buChar char="•"/>
+            </a:pPr>
+            <a:r>
+              <a:rPr lang="ko-KR" altLang="en-US" sz="1400" dirty="0"/>
+              <a:t>코드에서 주석을 </a:t>
+            </a:r>
+            <a:r>
+              <a:rPr lang="ko-KR" altLang="en-US" sz="1400" dirty="0" err="1"/>
+              <a:t>제거하거난</a:t>
+            </a:r>
+            <a:r>
+              <a:rPr lang="ko-KR" altLang="en-US" sz="1400" dirty="0"/>
+              <a:t> 코드를 압축하는 용도로 사용된다</a:t>
+            </a:r>
+            <a:r>
+              <a:rPr lang="en-US" altLang="ko-KR" sz="1400" dirty="0" smtClean="0"/>
+              <a:t>.</a:t>
+            </a:r>
+          </a:p>
+          <a:p>
+            <a:pPr marL="742950" lvl="1" indent="-285750" latinLnBrk="0">
+              <a:lnSpc>
+                <a:spcPct val="150000"/>
+              </a:lnSpc>
+              <a:buFont typeface="Arial" panose="020B0604020202020204" pitchFamily="34" charset="0"/>
+              <a:buChar char="•"/>
+            </a:pPr>
+            <a:r>
+              <a:rPr lang="ko-KR" altLang="en-US" sz="1400" dirty="0"/>
+              <a:t>바벨은 자바스크립트 파일을 입력으로 받아서 또 다른 자바스크립트 파일을 출력으로 준다</a:t>
+            </a:r>
+            <a:r>
+              <a:rPr lang="en-US" altLang="ko-KR" sz="1400" dirty="0" smtClean="0"/>
+              <a:t>.</a:t>
+            </a:r>
+          </a:p>
+          <a:p>
+            <a:pPr marL="742950" lvl="1" indent="-285750" latinLnBrk="0">
+              <a:lnSpc>
+                <a:spcPct val="150000"/>
+              </a:lnSpc>
+              <a:buFont typeface="Arial" panose="020B0604020202020204" pitchFamily="34" charset="0"/>
+              <a:buChar char="•"/>
+            </a:pPr>
+            <a:r>
+              <a:rPr lang="ko-KR" altLang="en-US" sz="1400" dirty="0" smtClean="0"/>
+              <a:t>이렇게 </a:t>
+            </a:r>
+            <a:r>
+              <a:rPr lang="ko-KR" altLang="en-US" sz="1400" dirty="0"/>
+              <a:t>자바스크립트 파일을 변환해 주는 작업은 </a:t>
+            </a:r>
+            <a:r>
+              <a:rPr lang="en-US" altLang="ko-KR" sz="1400" dirty="0"/>
+              <a:t>Plugin </a:t>
+            </a:r>
+            <a:r>
+              <a:rPr lang="ko-KR" altLang="en-US" sz="1400" dirty="0"/>
+              <a:t>단위로 이루어진다</a:t>
+            </a:r>
+            <a:r>
+              <a:rPr lang="en-US" altLang="ko-KR" sz="1400" dirty="0" smtClean="0"/>
+              <a:t>.</a:t>
+            </a:r>
+          </a:p>
+          <a:p>
+            <a:pPr marL="742950" lvl="1" indent="-285750" latinLnBrk="0">
+              <a:lnSpc>
+                <a:spcPct val="150000"/>
+              </a:lnSpc>
+              <a:buFont typeface="Arial" panose="020B0604020202020204" pitchFamily="34" charset="0"/>
+              <a:buChar char="•"/>
+            </a:pPr>
+            <a:r>
+              <a:rPr lang="ko-KR" altLang="en-US" sz="1400" dirty="0"/>
+              <a:t> 하나의 목적을 위해 </a:t>
+            </a:r>
+            <a:r>
+              <a:rPr lang="ko-KR" altLang="en-US" sz="1400" dirty="0" err="1"/>
+              <a:t>여러개의</a:t>
+            </a:r>
+            <a:r>
+              <a:rPr lang="ko-KR" altLang="en-US" sz="1400" dirty="0"/>
+              <a:t> </a:t>
+            </a:r>
+            <a:r>
+              <a:rPr lang="ko-KR" altLang="en-US" sz="1400" dirty="0" err="1"/>
+              <a:t>플러그인이</a:t>
+            </a:r>
+            <a:r>
+              <a:rPr lang="ko-KR" altLang="en-US" sz="1400" dirty="0"/>
+              <a:t> 필요할 수 있는데</a:t>
+            </a:r>
+            <a:r>
+              <a:rPr lang="en-US" altLang="ko-KR" sz="1400" dirty="0"/>
+              <a:t>, </a:t>
+            </a:r>
+            <a:r>
+              <a:rPr lang="ko-KR" altLang="en-US" sz="1400" dirty="0"/>
+              <a:t>이러한 플러그인의 집합을 </a:t>
+            </a:r>
+            <a:r>
+              <a:rPr lang="ko-KR" altLang="en-US" sz="1400" dirty="0" err="1"/>
+              <a:t>프리셋</a:t>
+            </a:r>
+            <a:r>
+              <a:rPr lang="en-US" altLang="ko-KR" sz="1400" dirty="0"/>
+              <a:t>(preset)</a:t>
+            </a:r>
+            <a:r>
+              <a:rPr lang="ko-KR" altLang="en-US" sz="1400" dirty="0"/>
+              <a:t>이라고 한다</a:t>
+            </a:r>
+            <a:r>
+              <a:rPr lang="en-US" altLang="ko-KR" sz="1400" dirty="0" smtClean="0"/>
+              <a:t>.</a:t>
+            </a:r>
+            <a:endParaRPr lang="en-US" altLang="ko-KR" sz="2000" dirty="0">
+              <a:solidFill>
+                <a:srgbClr val="0000FF"/>
+              </a:solidFill>
+              <a:latin typeface="+mn-ea"/>
+            </a:endParaRPr>
+          </a:p>
+          <a:p>
+            <a:pPr marL="742950" lvl="1" indent="-285750" latinLnBrk="0">
+              <a:lnSpc>
+                <a:spcPct val="150000"/>
+              </a:lnSpc>
+              <a:buFont typeface="Arial" panose="020B0604020202020204" pitchFamily="34" charset="0"/>
+              <a:buChar char="•"/>
+            </a:pPr>
+            <a:endParaRPr lang="en-US" altLang="ko-KR" sz="2000" dirty="0">
+              <a:solidFill>
+                <a:srgbClr val="0000FF"/>
+              </a:solidFill>
+              <a:latin typeface="+mn-ea"/>
+            </a:endParaRPr>
+          </a:p>
+          <a:p>
+            <a:pPr marL="285750" indent="-285750">
+              <a:lnSpc>
+                <a:spcPct val="150000"/>
+              </a:lnSpc>
+              <a:buFont typeface="Wingdings" panose="05000000000000000000" pitchFamily="2" charset="2"/>
+              <a:buChar char="Ø"/>
+            </a:pPr>
+            <a:r>
+              <a:rPr lang="en-US" altLang="ko-KR" sz="2000" dirty="0" smtClean="0">
+                <a:solidFill>
+                  <a:srgbClr val="0000FF"/>
+                </a:solidFill>
+                <a:latin typeface="+mn-ea"/>
+              </a:rPr>
+              <a:t>Dependency</a:t>
+            </a:r>
+            <a:endParaRPr lang="en-US" altLang="ko-KR" sz="2000" dirty="0">
+              <a:solidFill>
+                <a:srgbClr val="0000FF"/>
+              </a:solidFill>
+              <a:latin typeface="+mn-ea"/>
+            </a:endParaRPr>
+          </a:p>
+          <a:p>
+            <a:pPr marL="742950" lvl="1" indent="-285750" latinLnBrk="0">
+              <a:lnSpc>
+                <a:spcPct val="150000"/>
+              </a:lnSpc>
+              <a:buFont typeface="Arial" panose="020B0604020202020204" pitchFamily="34" charset="0"/>
+              <a:buChar char="•"/>
+            </a:pPr>
+            <a:r>
+              <a:rPr lang="en-US" altLang="ko-KR" sz="1400" dirty="0" err="1" smtClean="0"/>
+              <a:t>npm</a:t>
+            </a:r>
+            <a:r>
+              <a:rPr lang="en-US" altLang="ko-KR" sz="1400" dirty="0" smtClean="0"/>
+              <a:t> </a:t>
+            </a:r>
+            <a:r>
+              <a:rPr lang="en-US" altLang="ko-KR" sz="1400" dirty="0"/>
+              <a:t>install @babel/core @babel/cli @babel/preset-react</a:t>
+            </a:r>
+          </a:p>
+          <a:p>
+            <a:pPr marL="742950" lvl="1" indent="-285750" latinLnBrk="0">
+              <a:lnSpc>
+                <a:spcPct val="150000"/>
+              </a:lnSpc>
+              <a:buFont typeface="Arial" panose="020B0604020202020204" pitchFamily="34" charset="0"/>
+              <a:buChar char="•"/>
+            </a:pPr>
+            <a:r>
+              <a:rPr lang="en-US" altLang="ko-KR" sz="1400" dirty="0" err="1" smtClean="0"/>
+              <a:t>npx</a:t>
+            </a:r>
+            <a:r>
+              <a:rPr lang="en-US" altLang="ko-KR" sz="1400" dirty="0" smtClean="0"/>
+              <a:t> </a:t>
+            </a:r>
+            <a:r>
+              <a:rPr lang="en-US" altLang="ko-KR" sz="1400" dirty="0"/>
+              <a:t>babel --watch </a:t>
+            </a:r>
+            <a:r>
+              <a:rPr lang="en-US" altLang="ko-KR" sz="1400" dirty="0" err="1"/>
+              <a:t>src</a:t>
+            </a:r>
+            <a:r>
+              <a:rPr lang="en-US" altLang="ko-KR" sz="1400" dirty="0"/>
+              <a:t> --out-</a:t>
+            </a:r>
+            <a:r>
+              <a:rPr lang="en-US" altLang="ko-KR" sz="1400" dirty="0" err="1"/>
+              <a:t>dir</a:t>
+            </a:r>
+            <a:r>
+              <a:rPr lang="en-US" altLang="ko-KR" sz="1400" dirty="0"/>
+              <a:t> . --presets @babel/preset-react</a:t>
+            </a:r>
+            <a:endParaRPr lang="en-US" altLang="ko-KR" sz="1400" dirty="0">
+              <a:solidFill>
+                <a:srgbClr val="FF0000"/>
+              </a:solidFill>
+            </a:endParaRPr>
+          </a:p>
+        </p:txBody>
+      </p:sp>
+    </p:spTree>
+    <p:extLst>
+      <p:ext uri="{BB962C8B-B14F-4D97-AF65-F5344CB8AC3E}">
+        <p14:creationId xmlns:p14="http://schemas.microsoft.com/office/powerpoint/2010/main" val="1453458518"/>
       </p:ext>
     </p:extLst>
   </p:cSld>
